--- a/3666 ANLP - Predicting ECB Monetary Policy.Final Project.pptx
+++ b/3666 ANLP - Predicting ECB Monetary Policy.Final Project.pptx
@@ -5,10 +5,10 @@
     <p:sldMasterId id="2147483710" r:id="rId4"/>
   </p:sldMasterIdLst>
   <p:notesMasterIdLst>
-    <p:notesMasterId r:id="rId24"/>
+    <p:notesMasterId r:id="rId25"/>
   </p:notesMasterIdLst>
   <p:handoutMasterIdLst>
-    <p:handoutMasterId r:id="rId25"/>
+    <p:handoutMasterId r:id="rId26"/>
   </p:handoutMasterIdLst>
   <p:sldIdLst>
     <p:sldId id="368" r:id="rId5"/>
@@ -26,10 +26,11 @@
     <p:sldId id="4000" r:id="rId17"/>
     <p:sldId id="4001" r:id="rId18"/>
     <p:sldId id="4002" r:id="rId19"/>
-    <p:sldId id="447" r:id="rId20"/>
-    <p:sldId id="421" r:id="rId21"/>
-    <p:sldId id="4003" r:id="rId22"/>
-    <p:sldId id="4004" r:id="rId23"/>
+    <p:sldId id="4005" r:id="rId20"/>
+    <p:sldId id="447" r:id="rId21"/>
+    <p:sldId id="421" r:id="rId22"/>
+    <p:sldId id="4003" r:id="rId23"/>
+    <p:sldId id="4004" r:id="rId24"/>
   </p:sldIdLst>
   <p:sldSz cx="12192000" cy="6858000"/>
   <p:notesSz cx="6858000" cy="9144000"/>
@@ -8306,6 +8307,114 @@
         <p:cNvPr id="1" name="">
           <a:extLst>
             <a:ext uri="{FF2B5EF4-FFF2-40B4-BE49-F238E27FC236}">
+              <a16:creationId xmlns:a16="http://schemas.microsoft.com/office/drawing/2014/main" id="{E4635105-B778-BDF7-695E-229F769A097C}"/>
+            </a:ext>
+          </a:extLst>
+        </p:cNvPr>
+        <p:cNvGrpSpPr/>
+        <p:nvPr/>
+      </p:nvGrpSpPr>
+      <p:grpSpPr>
+        <a:xfrm>
+          <a:off x="0" y="0"/>
+          <a:ext cx="0" cy="0"/>
+          <a:chOff x="0" y="0"/>
+          <a:chExt cx="0" cy="0"/>
+        </a:xfrm>
+      </p:grpSpPr>
+      <p:sp>
+        <p:nvSpPr>
+          <p:cNvPr id="2" name="Slide Image Placeholder 1">
+            <a:extLst>
+              <a:ext uri="{FF2B5EF4-FFF2-40B4-BE49-F238E27FC236}">
+                <a16:creationId xmlns:a16="http://schemas.microsoft.com/office/drawing/2014/main" id="{CC4BE534-727D-1FB5-B659-512E42B2E421}"/>
+              </a:ext>
+            </a:extLst>
+          </p:cNvPr>
+          <p:cNvSpPr>
+            <a:spLocks noGrp="1" noRot="1" noChangeAspect="1"/>
+          </p:cNvSpPr>
+          <p:nvPr>
+            <p:ph type="sldImg"/>
+          </p:nvPr>
+        </p:nvSpPr>
+        <p:spPr/>
+      </p:sp>
+      <p:sp>
+        <p:nvSpPr>
+          <p:cNvPr id="3" name="Notes Placeholder 2">
+            <a:extLst>
+              <a:ext uri="{FF2B5EF4-FFF2-40B4-BE49-F238E27FC236}">
+                <a16:creationId xmlns:a16="http://schemas.microsoft.com/office/drawing/2014/main" id="{01C59573-E147-383E-5C62-08D75A959284}"/>
+              </a:ext>
+            </a:extLst>
+          </p:cNvPr>
+          <p:cNvSpPr>
+            <a:spLocks noGrp="1"/>
+          </p:cNvSpPr>
+          <p:nvPr>
+            <p:ph type="body" idx="1"/>
+          </p:nvPr>
+        </p:nvSpPr>
+        <p:spPr/>
+        <p:txBody>
+          <a:bodyPr/>
+          <a:lstStyle/>
+          <a:p>
+            <a:endParaRPr lang="en-US" dirty="0"/>
+          </a:p>
+        </p:txBody>
+      </p:sp>
+      <p:sp>
+        <p:nvSpPr>
+          <p:cNvPr id="4" name="Slide Number Placeholder 3">
+            <a:extLst>
+              <a:ext uri="{FF2B5EF4-FFF2-40B4-BE49-F238E27FC236}">
+                <a16:creationId xmlns:a16="http://schemas.microsoft.com/office/drawing/2014/main" id="{3E4DE21D-5ACD-3692-80CE-770932469496}"/>
+              </a:ext>
+            </a:extLst>
+          </p:cNvPr>
+          <p:cNvSpPr>
+            <a:spLocks noGrp="1"/>
+          </p:cNvSpPr>
+          <p:nvPr>
+            <p:ph type="sldNum" sz="quarter" idx="5"/>
+          </p:nvPr>
+        </p:nvSpPr>
+        <p:spPr/>
+        <p:txBody>
+          <a:bodyPr/>
+          <a:lstStyle/>
+          <a:p>
+            <a:fld id="{B9C6B148-F37A-4E8C-8203-1B24A67C2FD0}" type="slidenum">
+              <a:rPr lang="en-CA" smtClean="0"/>
+              <a:t>16</a:t>
+            </a:fld>
+            <a:endParaRPr lang="en-CA"/>
+          </a:p>
+        </p:txBody>
+      </p:sp>
+    </p:spTree>
+    <p:extLst>
+      <p:ext uri="{BB962C8B-B14F-4D97-AF65-F5344CB8AC3E}">
+        <p14:creationId xmlns:p14="http://schemas.microsoft.com/office/powerpoint/2010/main" val="640893385"/>
+      </p:ext>
+    </p:extLst>
+  </p:cSld>
+  <p:clrMapOvr>
+    <a:masterClrMapping/>
+  </p:clrMapOvr>
+</p:notes>
+</file>
+
+<file path=ppt/notesSlides/notesSlide17.xml><?xml version="1.0" encoding="utf-8"?>
+<p:notes xmlns:a="http://schemas.openxmlformats.org/drawingml/2006/main" xmlns:r="http://schemas.openxmlformats.org/officeDocument/2006/relationships" xmlns:p="http://schemas.openxmlformats.org/presentationml/2006/main">
+  <p:cSld>
+    <p:spTree>
+      <p:nvGrpSpPr>
+        <p:cNvPr id="1" name="">
+          <a:extLst>
+            <a:ext uri="{FF2B5EF4-FFF2-40B4-BE49-F238E27FC236}">
               <a16:creationId xmlns:a16="http://schemas.microsoft.com/office/drawing/2014/main" id="{92AECB12-F842-8982-5878-8F573DCF7156}"/>
             </a:ext>
           </a:extLst>
@@ -8464,7 +8573,7 @@
           <a:p>
             <a:fld id="{CD953FE4-7F3D-1C48-8731-559E789B0C8F}" type="slidenum">
               <a:rPr lang="en-US" smtClean="0"/>
-              <a:t>16</a:t>
+              <a:t>17</a:t>
             </a:fld>
             <a:endParaRPr lang="en-US"/>
           </a:p>
@@ -8483,7 +8592,7 @@
 </p:notes>
 </file>
 
-<file path=ppt/notesSlides/notesSlide17.xml><?xml version="1.0" encoding="utf-8"?>
+<file path=ppt/notesSlides/notesSlide18.xml><?xml version="1.0" encoding="utf-8"?>
 <p:notes xmlns:a="http://schemas.openxmlformats.org/drawingml/2006/main" xmlns:r="http://schemas.openxmlformats.org/officeDocument/2006/relationships" xmlns:p="http://schemas.openxmlformats.org/presentationml/2006/main">
   <p:cSld>
     <p:spTree>
@@ -8552,7 +8661,7 @@
           <a:p>
             <a:fld id="{ECAF2E60-2495-4681-9507-7B86AB2BDA45}" type="slidenum">
               <a:rPr lang="en-US" smtClean="0"/>
-              <a:t>17</a:t>
+              <a:t>18</a:t>
             </a:fld>
             <a:endParaRPr lang="en-US"/>
           </a:p>
@@ -8571,7 +8680,7 @@
 </p:notes>
 </file>
 
-<file path=ppt/notesSlides/notesSlide18.xml><?xml version="1.0" encoding="utf-8"?>
+<file path=ppt/notesSlides/notesSlide19.xml><?xml version="1.0" encoding="utf-8"?>
 <p:notes xmlns:a="http://schemas.openxmlformats.org/drawingml/2006/main" xmlns:r="http://schemas.openxmlformats.org/officeDocument/2006/relationships" xmlns:p="http://schemas.openxmlformats.org/presentationml/2006/main">
   <p:cSld>
     <p:spTree>
@@ -8784,7 +8893,7 @@
                 <a:tabLst/>
                 <a:defRPr/>
               </a:pPr>
-              <a:t>18</a:t>
+              <a:t>19</a:t>
             </a:fld>
             <a:endParaRPr kumimoji="0" lang="en-US" sz="1200" b="0" i="0" u="none" strike="noStrike" kern="1200" cap="none" spc="0" normalizeH="0" baseline="0" noProof="0">
               <a:ln>
@@ -8816,7 +8925,171 @@
 </p:notes>
 </file>
 
-<file path=ppt/notesSlides/notesSlide19.xml><?xml version="1.0" encoding="utf-8"?>
+<file path=ppt/notesSlides/notesSlide2.xml><?xml version="1.0" encoding="utf-8"?>
+<p:notes xmlns:a="http://schemas.openxmlformats.org/drawingml/2006/main" xmlns:r="http://schemas.openxmlformats.org/officeDocument/2006/relationships" xmlns:p="http://schemas.openxmlformats.org/presentationml/2006/main">
+  <p:cSld>
+    <p:spTree>
+      <p:nvGrpSpPr>
+        <p:cNvPr id="1" name=""/>
+        <p:cNvGrpSpPr/>
+        <p:nvPr/>
+      </p:nvGrpSpPr>
+      <p:grpSpPr>
+        <a:xfrm>
+          <a:off x="0" y="0"/>
+          <a:ext cx="0" cy="0"/>
+          <a:chOff x="0" y="0"/>
+          <a:chExt cx="0" cy="0"/>
+        </a:xfrm>
+      </p:grpSpPr>
+      <p:sp>
+        <p:nvSpPr>
+          <p:cNvPr id="2" name="Slide Image Placeholder 1"/>
+          <p:cNvSpPr>
+            <a:spLocks noGrp="1" noRot="1" noChangeAspect="1"/>
+          </p:cNvSpPr>
+          <p:nvPr>
+            <p:ph type="sldImg"/>
+          </p:nvPr>
+        </p:nvSpPr>
+        <p:spPr/>
+      </p:sp>
+      <p:sp>
+        <p:nvSpPr>
+          <p:cNvPr id="3" name="Notes Placeholder 2"/>
+          <p:cNvSpPr>
+            <a:spLocks noGrp="1"/>
+          </p:cNvSpPr>
+          <p:nvPr>
+            <p:ph type="body" idx="1"/>
+          </p:nvPr>
+        </p:nvSpPr>
+        <p:spPr/>
+        <p:txBody>
+          <a:bodyPr/>
+          <a:lstStyle/>
+          <a:p>
+            <a:pPr marL="171450" marR="0" lvl="0" indent="-171450" algn="l" defTabSz="914400" rtl="0" eaLnBrk="1" fontAlgn="auto" latinLnBrk="0" hangingPunct="1">
+              <a:lnSpc>
+                <a:spcPct val="100000"/>
+              </a:lnSpc>
+              <a:spcBef>
+                <a:spcPts val="0"/>
+              </a:spcBef>
+              <a:spcAft>
+                <a:spcPts val="0"/>
+              </a:spcAft>
+              <a:buClrTx/>
+              <a:buSzTx/>
+              <a:buFont typeface="Arial" panose="020B0604020202020204" pitchFamily="34" charset="0"/>
+              <a:buChar char="•"/>
+              <a:tabLst/>
+              <a:defRPr/>
+            </a:pPr>
+            <a:endParaRPr lang="en-US" dirty="0"/>
+          </a:p>
+          <a:p>
+            <a:pPr marL="171450" marR="0" lvl="0" indent="-171450" algn="l" defTabSz="914400" rtl="0" eaLnBrk="1" fontAlgn="auto" latinLnBrk="0" hangingPunct="1">
+              <a:lnSpc>
+                <a:spcPct val="100000"/>
+              </a:lnSpc>
+              <a:spcBef>
+                <a:spcPts val="0"/>
+              </a:spcBef>
+              <a:spcAft>
+                <a:spcPts val="0"/>
+              </a:spcAft>
+              <a:buClrTx/>
+              <a:buSzTx/>
+              <a:buFont typeface="Arial" panose="020B0604020202020204" pitchFamily="34" charset="0"/>
+              <a:buChar char="•"/>
+              <a:tabLst/>
+              <a:defRPr/>
+            </a:pPr>
+            <a:r>
+              <a:rPr lang="en-US" dirty="0"/>
+              <a:t>J</a:t>
+            </a:r>
+          </a:p>
+          <a:p>
+            <a:pPr marL="628650" marR="0" lvl="1" indent="-171450" algn="l" defTabSz="914400" rtl="0" eaLnBrk="1" fontAlgn="auto" latinLnBrk="0" hangingPunct="1">
+              <a:lnSpc>
+                <a:spcPct val="100000"/>
+              </a:lnSpc>
+              <a:spcBef>
+                <a:spcPts val="0"/>
+              </a:spcBef>
+              <a:spcAft>
+                <a:spcPts val="0"/>
+              </a:spcAft>
+              <a:buClrTx/>
+              <a:buSzTx/>
+              <a:buFont typeface="Arial" panose="020B0604020202020204" pitchFamily="34" charset="0"/>
+              <a:buChar char="•"/>
+              <a:tabLst/>
+              <a:defRPr/>
+            </a:pPr>
+            <a:endParaRPr lang="en-US" dirty="0"/>
+          </a:p>
+          <a:p>
+            <a:pPr marL="628650" marR="0" lvl="1" indent="-171450" algn="l" defTabSz="914400" rtl="0" eaLnBrk="1" fontAlgn="auto" latinLnBrk="0" hangingPunct="1">
+              <a:lnSpc>
+                <a:spcPct val="100000"/>
+              </a:lnSpc>
+              <a:spcBef>
+                <a:spcPts val="0"/>
+              </a:spcBef>
+              <a:spcAft>
+                <a:spcPts val="0"/>
+              </a:spcAft>
+              <a:buClrTx/>
+              <a:buSzTx/>
+              <a:buFont typeface="Arial" panose="020B0604020202020204" pitchFamily="34" charset="0"/>
+              <a:buChar char="•"/>
+              <a:tabLst/>
+              <a:defRPr/>
+            </a:pPr>
+            <a:endParaRPr lang="en-US" dirty="0"/>
+          </a:p>
+        </p:txBody>
+      </p:sp>
+      <p:sp>
+        <p:nvSpPr>
+          <p:cNvPr id="4" name="Slide Number Placeholder 3"/>
+          <p:cNvSpPr>
+            <a:spLocks noGrp="1"/>
+          </p:cNvSpPr>
+          <p:nvPr>
+            <p:ph type="sldNum" sz="quarter" idx="5"/>
+          </p:nvPr>
+        </p:nvSpPr>
+        <p:spPr/>
+        <p:txBody>
+          <a:bodyPr/>
+          <a:lstStyle/>
+          <a:p>
+            <a:fld id="{CD953FE4-7F3D-1C48-8731-559E789B0C8F}" type="slidenum">
+              <a:rPr lang="en-US" smtClean="0"/>
+              <a:t>2</a:t>
+            </a:fld>
+            <a:endParaRPr lang="en-US"/>
+          </a:p>
+        </p:txBody>
+      </p:sp>
+    </p:spTree>
+    <p:extLst>
+      <p:ext uri="{BB962C8B-B14F-4D97-AF65-F5344CB8AC3E}">
+        <p14:creationId xmlns:p14="http://schemas.microsoft.com/office/powerpoint/2010/main" val="1882643515"/>
+      </p:ext>
+    </p:extLst>
+  </p:cSld>
+  <p:clrMapOvr>
+    <a:masterClrMapping/>
+  </p:clrMapOvr>
+</p:notes>
+</file>
+
+<file path=ppt/notesSlides/notesSlide20.xml><?xml version="1.0" encoding="utf-8"?>
 <p:notes xmlns:a="http://schemas.openxmlformats.org/drawingml/2006/main" xmlns:r="http://schemas.openxmlformats.org/officeDocument/2006/relationships" xmlns:p="http://schemas.openxmlformats.org/presentationml/2006/main">
   <p:cSld>
     <p:spTree>
@@ -8982,7 +9255,7 @@
           <a:p>
             <a:fld id="{CD953FE4-7F3D-1C48-8731-559E789B0C8F}" type="slidenum">
               <a:rPr lang="en-US" smtClean="0"/>
-              <a:t>19</a:t>
+              <a:t>20</a:t>
             </a:fld>
             <a:endParaRPr lang="en-US"/>
           </a:p>
@@ -8992,170 +9265,6 @@
     <p:extLst>
       <p:ext uri="{BB962C8B-B14F-4D97-AF65-F5344CB8AC3E}">
         <p14:creationId xmlns:p14="http://schemas.microsoft.com/office/powerpoint/2010/main" val="1476038068"/>
-      </p:ext>
-    </p:extLst>
-  </p:cSld>
-  <p:clrMapOvr>
-    <a:masterClrMapping/>
-  </p:clrMapOvr>
-</p:notes>
-</file>
-
-<file path=ppt/notesSlides/notesSlide2.xml><?xml version="1.0" encoding="utf-8"?>
-<p:notes xmlns:a="http://schemas.openxmlformats.org/drawingml/2006/main" xmlns:r="http://schemas.openxmlformats.org/officeDocument/2006/relationships" xmlns:p="http://schemas.openxmlformats.org/presentationml/2006/main">
-  <p:cSld>
-    <p:spTree>
-      <p:nvGrpSpPr>
-        <p:cNvPr id="1" name=""/>
-        <p:cNvGrpSpPr/>
-        <p:nvPr/>
-      </p:nvGrpSpPr>
-      <p:grpSpPr>
-        <a:xfrm>
-          <a:off x="0" y="0"/>
-          <a:ext cx="0" cy="0"/>
-          <a:chOff x="0" y="0"/>
-          <a:chExt cx="0" cy="0"/>
-        </a:xfrm>
-      </p:grpSpPr>
-      <p:sp>
-        <p:nvSpPr>
-          <p:cNvPr id="2" name="Slide Image Placeholder 1"/>
-          <p:cNvSpPr>
-            <a:spLocks noGrp="1" noRot="1" noChangeAspect="1"/>
-          </p:cNvSpPr>
-          <p:nvPr>
-            <p:ph type="sldImg"/>
-          </p:nvPr>
-        </p:nvSpPr>
-        <p:spPr/>
-      </p:sp>
-      <p:sp>
-        <p:nvSpPr>
-          <p:cNvPr id="3" name="Notes Placeholder 2"/>
-          <p:cNvSpPr>
-            <a:spLocks noGrp="1"/>
-          </p:cNvSpPr>
-          <p:nvPr>
-            <p:ph type="body" idx="1"/>
-          </p:nvPr>
-        </p:nvSpPr>
-        <p:spPr/>
-        <p:txBody>
-          <a:bodyPr/>
-          <a:lstStyle/>
-          <a:p>
-            <a:pPr marL="171450" marR="0" lvl="0" indent="-171450" algn="l" defTabSz="914400" rtl="0" eaLnBrk="1" fontAlgn="auto" latinLnBrk="0" hangingPunct="1">
-              <a:lnSpc>
-                <a:spcPct val="100000"/>
-              </a:lnSpc>
-              <a:spcBef>
-                <a:spcPts val="0"/>
-              </a:spcBef>
-              <a:spcAft>
-                <a:spcPts val="0"/>
-              </a:spcAft>
-              <a:buClrTx/>
-              <a:buSzTx/>
-              <a:buFont typeface="Arial" panose="020B0604020202020204" pitchFamily="34" charset="0"/>
-              <a:buChar char="•"/>
-              <a:tabLst/>
-              <a:defRPr/>
-            </a:pPr>
-            <a:endParaRPr lang="en-US" dirty="0"/>
-          </a:p>
-          <a:p>
-            <a:pPr marL="171450" marR="0" lvl="0" indent="-171450" algn="l" defTabSz="914400" rtl="0" eaLnBrk="1" fontAlgn="auto" latinLnBrk="0" hangingPunct="1">
-              <a:lnSpc>
-                <a:spcPct val="100000"/>
-              </a:lnSpc>
-              <a:spcBef>
-                <a:spcPts val="0"/>
-              </a:spcBef>
-              <a:spcAft>
-                <a:spcPts val="0"/>
-              </a:spcAft>
-              <a:buClrTx/>
-              <a:buSzTx/>
-              <a:buFont typeface="Arial" panose="020B0604020202020204" pitchFamily="34" charset="0"/>
-              <a:buChar char="•"/>
-              <a:tabLst/>
-              <a:defRPr/>
-            </a:pPr>
-            <a:r>
-              <a:rPr lang="en-US" dirty="0"/>
-              <a:t>J</a:t>
-            </a:r>
-          </a:p>
-          <a:p>
-            <a:pPr marL="628650" marR="0" lvl="1" indent="-171450" algn="l" defTabSz="914400" rtl="0" eaLnBrk="1" fontAlgn="auto" latinLnBrk="0" hangingPunct="1">
-              <a:lnSpc>
-                <a:spcPct val="100000"/>
-              </a:lnSpc>
-              <a:spcBef>
-                <a:spcPts val="0"/>
-              </a:spcBef>
-              <a:spcAft>
-                <a:spcPts val="0"/>
-              </a:spcAft>
-              <a:buClrTx/>
-              <a:buSzTx/>
-              <a:buFont typeface="Arial" panose="020B0604020202020204" pitchFamily="34" charset="0"/>
-              <a:buChar char="•"/>
-              <a:tabLst/>
-              <a:defRPr/>
-            </a:pPr>
-            <a:endParaRPr lang="en-US" dirty="0"/>
-          </a:p>
-          <a:p>
-            <a:pPr marL="628650" marR="0" lvl="1" indent="-171450" algn="l" defTabSz="914400" rtl="0" eaLnBrk="1" fontAlgn="auto" latinLnBrk="0" hangingPunct="1">
-              <a:lnSpc>
-                <a:spcPct val="100000"/>
-              </a:lnSpc>
-              <a:spcBef>
-                <a:spcPts val="0"/>
-              </a:spcBef>
-              <a:spcAft>
-                <a:spcPts val="0"/>
-              </a:spcAft>
-              <a:buClrTx/>
-              <a:buSzTx/>
-              <a:buFont typeface="Arial" panose="020B0604020202020204" pitchFamily="34" charset="0"/>
-              <a:buChar char="•"/>
-              <a:tabLst/>
-              <a:defRPr/>
-            </a:pPr>
-            <a:endParaRPr lang="en-US" dirty="0"/>
-          </a:p>
-        </p:txBody>
-      </p:sp>
-      <p:sp>
-        <p:nvSpPr>
-          <p:cNvPr id="4" name="Slide Number Placeholder 3"/>
-          <p:cNvSpPr>
-            <a:spLocks noGrp="1"/>
-          </p:cNvSpPr>
-          <p:nvPr>
-            <p:ph type="sldNum" sz="quarter" idx="5"/>
-          </p:nvPr>
-        </p:nvSpPr>
-        <p:spPr/>
-        <p:txBody>
-          <a:bodyPr/>
-          <a:lstStyle/>
-          <a:p>
-            <a:fld id="{CD953FE4-7F3D-1C48-8731-559E789B0C8F}" type="slidenum">
-              <a:rPr lang="en-US" smtClean="0"/>
-              <a:t>2</a:t>
-            </a:fld>
-            <a:endParaRPr lang="en-US"/>
-          </a:p>
-        </p:txBody>
-      </p:sp>
-    </p:spTree>
-    <p:extLst>
-      <p:ext uri="{BB962C8B-B14F-4D97-AF65-F5344CB8AC3E}">
-        <p14:creationId xmlns:p14="http://schemas.microsoft.com/office/powerpoint/2010/main" val="1882643515"/>
       </p:ext>
     </p:extLst>
   </p:cSld>
@@ -27211,6 +27320,695 @@
         <p:cNvPr id="1" name="">
           <a:extLst>
             <a:ext uri="{FF2B5EF4-FFF2-40B4-BE49-F238E27FC236}">
+              <a16:creationId xmlns:a16="http://schemas.microsoft.com/office/drawing/2014/main" id="{5BAA257F-4C31-A3CB-C3BF-56733609999E}"/>
+            </a:ext>
+          </a:extLst>
+        </p:cNvPr>
+        <p:cNvGrpSpPr/>
+        <p:nvPr/>
+      </p:nvGrpSpPr>
+      <p:grpSpPr>
+        <a:xfrm>
+          <a:off x="0" y="0"/>
+          <a:ext cx="0" cy="0"/>
+          <a:chOff x="0" y="0"/>
+          <a:chExt cx="0" cy="0"/>
+        </a:xfrm>
+      </p:grpSpPr>
+      <p:sp>
+        <p:nvSpPr>
+          <p:cNvPr id="11" name="Title 26">
+            <a:extLst>
+              <a:ext uri="{FF2B5EF4-FFF2-40B4-BE49-F238E27FC236}">
+                <a16:creationId xmlns:a16="http://schemas.microsoft.com/office/drawing/2014/main" id="{F1AF9B86-10D5-6171-3DB2-73190B65354A}"/>
+              </a:ext>
+            </a:extLst>
+          </p:cNvPr>
+          <p:cNvSpPr txBox="1">
+            <a:spLocks/>
+          </p:cNvSpPr>
+          <p:nvPr/>
+        </p:nvSpPr>
+        <p:spPr>
+          <a:xfrm>
+            <a:off x="573594" y="160776"/>
+            <a:ext cx="11454284" cy="984738"/>
+          </a:xfrm>
+          <a:prstGeom prst="rect">
+            <a:avLst/>
+          </a:prstGeom>
+        </p:spPr>
+        <p:txBody>
+          <a:bodyPr vert="horz" lIns="0" tIns="0" rIns="0" bIns="0" rtlCol="0" anchor="ctr">
+            <a:noAutofit/>
+          </a:bodyPr>
+          <a:lstStyle>
+            <a:lvl1pPr algn="l" defTabSz="914400" rtl="0" eaLnBrk="1" latinLnBrk="0" hangingPunct="1">
+              <a:lnSpc>
+                <a:spcPct val="90000"/>
+              </a:lnSpc>
+              <a:spcBef>
+                <a:spcPct val="0"/>
+              </a:spcBef>
+              <a:buNone/>
+              <a:defRPr sz="4800" b="1" i="0" kern="1200">
+                <a:solidFill>
+                  <a:schemeClr val="tx1"/>
+                </a:solidFill>
+                <a:latin typeface="Calibri" panose="020F0502020204030204" pitchFamily="34" charset="0"/>
+                <a:ea typeface="+mj-ea"/>
+                <a:cs typeface="Calibri" panose="020F0502020204030204" pitchFamily="34" charset="0"/>
+              </a:defRPr>
+            </a:lvl1pPr>
+          </a:lstStyle>
+          <a:p>
+            <a:pPr marL="0" marR="0" lvl="0" indent="0" algn="l" defTabSz="914400" rtl="0" eaLnBrk="1" fontAlgn="auto" latinLnBrk="0" hangingPunct="1">
+              <a:lnSpc>
+                <a:spcPct val="90000"/>
+              </a:lnSpc>
+              <a:spcBef>
+                <a:spcPct val="0"/>
+              </a:spcBef>
+              <a:spcAft>
+                <a:spcPts val="0"/>
+              </a:spcAft>
+              <a:buClrTx/>
+              <a:buSzTx/>
+              <a:buFontTx/>
+              <a:buNone/>
+              <a:tabLst/>
+              <a:defRPr/>
+            </a:pPr>
+            <a:r>
+              <a:rPr lang="en-US" sz="4000" dirty="0"/>
+              <a:t>Why Tree-Based Models Performed Better? (possibilities)</a:t>
+            </a:r>
+            <a:endParaRPr kumimoji="0" lang="en-US" sz="2000" b="0" i="0" u="none" strike="noStrike" kern="1200" cap="none" spc="0" normalizeH="0" baseline="0" noProof="0" dirty="0">
+              <a:ln>
+                <a:noFill/>
+              </a:ln>
+              <a:solidFill>
+                <a:srgbClr val="000000"/>
+              </a:solidFill>
+              <a:effectLst/>
+              <a:uLnTx/>
+              <a:uFillTx/>
+              <a:latin typeface="Calibri" panose="020F0502020204030204" pitchFamily="34" charset="0"/>
+              <a:ea typeface="+mj-ea"/>
+              <a:cs typeface="Calibri" panose="020F0502020204030204" pitchFamily="34" charset="0"/>
+            </a:endParaRPr>
+          </a:p>
+        </p:txBody>
+      </p:sp>
+      <p:sp>
+        <p:nvSpPr>
+          <p:cNvPr id="7" name="TextBox 6">
+            <a:extLst>
+              <a:ext uri="{FF2B5EF4-FFF2-40B4-BE49-F238E27FC236}">
+                <a16:creationId xmlns:a16="http://schemas.microsoft.com/office/drawing/2014/main" id="{5A129896-75FB-308B-E1B6-416D0E5AEA20}"/>
+              </a:ext>
+            </a:extLst>
+          </p:cNvPr>
+          <p:cNvSpPr txBox="1"/>
+          <p:nvPr/>
+        </p:nvSpPr>
+        <p:spPr>
+          <a:xfrm>
+            <a:off x="573594" y="1551193"/>
+            <a:ext cx="11213121" cy="4247317"/>
+          </a:xfrm>
+          <a:prstGeom prst="rect">
+            <a:avLst/>
+          </a:prstGeom>
+          <a:noFill/>
+        </p:spPr>
+        <p:txBody>
+          <a:bodyPr wrap="square">
+            <a:spAutoFit/>
+          </a:bodyPr>
+          <a:lstStyle/>
+          <a:p>
+            <a:pPr marL="285750" marR="0" lvl="0" indent="-285750" algn="l" defTabSz="914400" rtl="0" eaLnBrk="0" fontAlgn="base" latinLnBrk="0" hangingPunct="0">
+              <a:lnSpc>
+                <a:spcPct val="100000"/>
+              </a:lnSpc>
+              <a:spcBef>
+                <a:spcPct val="0"/>
+              </a:spcBef>
+              <a:spcAft>
+                <a:spcPct val="0"/>
+              </a:spcAft>
+              <a:buClrTx/>
+              <a:buSzTx/>
+              <a:buFont typeface="Arial" panose="020B0604020202020204" pitchFamily="34" charset="0"/>
+              <a:buChar char="•"/>
+              <a:tabLst/>
+            </a:pPr>
+            <a:r>
+              <a:rPr kumimoji="0" lang="en-US" altLang="en-US" sz="1800" b="1" i="0" u="none" strike="noStrike" cap="none" normalizeH="0" baseline="0" dirty="0">
+                <a:ln>
+                  <a:noFill/>
+                </a:ln>
+                <a:solidFill>
+                  <a:schemeClr val="tx1"/>
+                </a:solidFill>
+                <a:effectLst/>
+                <a:latin typeface="+mj-lt"/>
+              </a:rPr>
+              <a:t>Handling Imbalanced Data</a:t>
+            </a:r>
+            <a:r>
+              <a:rPr kumimoji="0" lang="en-US" altLang="en-US" sz="1800" b="0" i="0" u="none" strike="noStrike" cap="none" normalizeH="0" baseline="0" dirty="0">
+                <a:ln>
+                  <a:noFill/>
+                </a:ln>
+                <a:solidFill>
+                  <a:schemeClr val="tx1"/>
+                </a:solidFill>
+                <a:effectLst/>
+                <a:latin typeface="+mj-lt"/>
+              </a:rPr>
+              <a:t>:</a:t>
+            </a:r>
+          </a:p>
+          <a:p>
+            <a:pPr marL="742950" lvl="1" indent="-285750" eaLnBrk="0" fontAlgn="base" hangingPunct="0">
+              <a:spcBef>
+                <a:spcPct val="0"/>
+              </a:spcBef>
+              <a:spcAft>
+                <a:spcPct val="0"/>
+              </a:spcAft>
+              <a:buFont typeface="Arial" panose="020B0604020202020204" pitchFamily="34" charset="0"/>
+              <a:buChar char="•"/>
+            </a:pPr>
+            <a:r>
+              <a:rPr kumimoji="0" lang="en-US" altLang="en-US" b="0" i="0" u="none" strike="noStrike" cap="none" normalizeH="0" baseline="0" dirty="0">
+                <a:ln>
+                  <a:noFill/>
+                </a:ln>
+                <a:solidFill>
+                  <a:schemeClr val="tx1"/>
+                </a:solidFill>
+                <a:effectLst/>
+                <a:latin typeface="+mj-lt"/>
+              </a:rPr>
+              <a:t>Tree-based models use </a:t>
+            </a:r>
+            <a:r>
+              <a:rPr kumimoji="0" lang="en-US" altLang="en-US" b="1" i="0" u="none" strike="noStrike" cap="none" normalizeH="0" baseline="0" dirty="0">
+                <a:ln>
+                  <a:noFill/>
+                </a:ln>
+                <a:solidFill>
+                  <a:schemeClr val="tx1"/>
+                </a:solidFill>
+                <a:effectLst/>
+                <a:latin typeface="+mj-lt"/>
+              </a:rPr>
+              <a:t>class weights</a:t>
+            </a:r>
+            <a:r>
+              <a:rPr kumimoji="0" lang="en-US" altLang="en-US" b="0" i="0" u="none" strike="noStrike" cap="none" normalizeH="0" baseline="0" dirty="0">
+                <a:ln>
+                  <a:noFill/>
+                </a:ln>
+                <a:solidFill>
+                  <a:schemeClr val="tx1"/>
+                </a:solidFill>
+                <a:effectLst/>
+                <a:latin typeface="+mj-lt"/>
+              </a:rPr>
+              <a:t> and ensemble methods to manage class imbalance effectively.</a:t>
+            </a:r>
+          </a:p>
+          <a:p>
+            <a:pPr marL="742950" lvl="1" indent="-285750" eaLnBrk="0" fontAlgn="base" hangingPunct="0">
+              <a:spcBef>
+                <a:spcPct val="0"/>
+              </a:spcBef>
+              <a:spcAft>
+                <a:spcPct val="0"/>
+              </a:spcAft>
+              <a:buFont typeface="Arial" panose="020B0604020202020204" pitchFamily="34" charset="0"/>
+              <a:buChar char="•"/>
+            </a:pPr>
+            <a:endParaRPr kumimoji="0" lang="en-US" altLang="en-US" b="0" i="0" u="none" strike="noStrike" cap="none" normalizeH="0" baseline="0" dirty="0">
+              <a:ln>
+                <a:noFill/>
+              </a:ln>
+              <a:solidFill>
+                <a:schemeClr val="tx1"/>
+              </a:solidFill>
+              <a:effectLst/>
+              <a:latin typeface="+mj-lt"/>
+            </a:endParaRPr>
+          </a:p>
+          <a:p>
+            <a:pPr marL="285750" marR="0" lvl="0" indent="-285750" algn="l" defTabSz="914400" rtl="0" eaLnBrk="0" fontAlgn="base" latinLnBrk="0" hangingPunct="0">
+              <a:lnSpc>
+                <a:spcPct val="100000"/>
+              </a:lnSpc>
+              <a:spcBef>
+                <a:spcPct val="0"/>
+              </a:spcBef>
+              <a:spcAft>
+                <a:spcPct val="0"/>
+              </a:spcAft>
+              <a:buClrTx/>
+              <a:buSzTx/>
+              <a:buFont typeface="Arial" panose="020B0604020202020204" pitchFamily="34" charset="0"/>
+              <a:buChar char="•"/>
+              <a:tabLst/>
+            </a:pPr>
+            <a:r>
+              <a:rPr kumimoji="0" lang="en-US" altLang="en-US" sz="1800" b="1" i="0" u="none" strike="noStrike" cap="none" normalizeH="0" baseline="0" dirty="0">
+                <a:ln>
+                  <a:noFill/>
+                </a:ln>
+                <a:solidFill>
+                  <a:schemeClr val="tx1"/>
+                </a:solidFill>
+                <a:effectLst/>
+                <a:latin typeface="+mj-lt"/>
+              </a:rPr>
+              <a:t>Small Dataset Suitability</a:t>
+            </a:r>
+            <a:r>
+              <a:rPr kumimoji="0" lang="en-US" altLang="en-US" sz="1800" b="0" i="0" u="none" strike="noStrike" cap="none" normalizeH="0" baseline="0" dirty="0">
+                <a:ln>
+                  <a:noFill/>
+                </a:ln>
+                <a:solidFill>
+                  <a:schemeClr val="tx1"/>
+                </a:solidFill>
+                <a:effectLst/>
+                <a:latin typeface="+mj-lt"/>
+              </a:rPr>
+              <a:t>:</a:t>
+            </a:r>
+          </a:p>
+          <a:p>
+            <a:pPr marL="742950" lvl="1" indent="-285750" eaLnBrk="0" fontAlgn="base" hangingPunct="0">
+              <a:spcBef>
+                <a:spcPct val="0"/>
+              </a:spcBef>
+              <a:spcAft>
+                <a:spcPct val="0"/>
+              </a:spcAft>
+              <a:buFont typeface="Arial" panose="020B0604020202020204" pitchFamily="34" charset="0"/>
+              <a:buChar char="•"/>
+            </a:pPr>
+            <a:r>
+              <a:rPr kumimoji="0" lang="en-US" altLang="en-US" b="0" i="0" u="none" strike="noStrike" cap="none" normalizeH="0" baseline="0" dirty="0">
+                <a:ln>
+                  <a:noFill/>
+                </a:ln>
+                <a:solidFill>
+                  <a:schemeClr val="tx1"/>
+                </a:solidFill>
+                <a:effectLst/>
+                <a:latin typeface="+mj-lt"/>
+              </a:rPr>
+              <a:t>BERT and LSTM require large datasets; tree-based models generalize better with limited data.</a:t>
+            </a:r>
+          </a:p>
+          <a:p>
+            <a:pPr marL="742950" lvl="1" indent="-285750" eaLnBrk="0" fontAlgn="base" hangingPunct="0">
+              <a:spcBef>
+                <a:spcPct val="0"/>
+              </a:spcBef>
+              <a:spcAft>
+                <a:spcPct val="0"/>
+              </a:spcAft>
+              <a:buFont typeface="Arial" panose="020B0604020202020204" pitchFamily="34" charset="0"/>
+              <a:buChar char="•"/>
+            </a:pPr>
+            <a:endParaRPr kumimoji="0" lang="en-US" altLang="en-US" b="0" i="0" u="none" strike="noStrike" cap="none" normalizeH="0" baseline="0" dirty="0">
+              <a:ln>
+                <a:noFill/>
+              </a:ln>
+              <a:solidFill>
+                <a:schemeClr val="tx1"/>
+              </a:solidFill>
+              <a:effectLst/>
+              <a:latin typeface="+mj-lt"/>
+            </a:endParaRPr>
+          </a:p>
+          <a:p>
+            <a:pPr marL="285750" marR="0" lvl="0" indent="-285750" algn="l" defTabSz="914400" rtl="0" eaLnBrk="0" fontAlgn="base" latinLnBrk="0" hangingPunct="0">
+              <a:lnSpc>
+                <a:spcPct val="100000"/>
+              </a:lnSpc>
+              <a:spcBef>
+                <a:spcPct val="0"/>
+              </a:spcBef>
+              <a:spcAft>
+                <a:spcPct val="0"/>
+              </a:spcAft>
+              <a:buClrTx/>
+              <a:buSzTx/>
+              <a:buFont typeface="Arial" panose="020B0604020202020204" pitchFamily="34" charset="0"/>
+              <a:buChar char="•"/>
+              <a:tabLst/>
+            </a:pPr>
+            <a:r>
+              <a:rPr kumimoji="0" lang="en-US" altLang="en-US" sz="1800" b="1" i="0" u="none" strike="noStrike" cap="none" normalizeH="0" baseline="0" dirty="0">
+                <a:ln>
+                  <a:noFill/>
+                </a:ln>
+                <a:solidFill>
+                  <a:schemeClr val="tx1"/>
+                </a:solidFill>
+                <a:effectLst/>
+                <a:latin typeface="+mj-lt"/>
+              </a:rPr>
+              <a:t>Efficient Training</a:t>
+            </a:r>
+            <a:r>
+              <a:rPr kumimoji="0" lang="en-US" altLang="en-US" sz="1800" b="0" i="0" u="none" strike="noStrike" cap="none" normalizeH="0" baseline="0" dirty="0">
+                <a:ln>
+                  <a:noFill/>
+                </a:ln>
+                <a:solidFill>
+                  <a:schemeClr val="tx1"/>
+                </a:solidFill>
+                <a:effectLst/>
+                <a:latin typeface="+mj-lt"/>
+              </a:rPr>
+              <a:t>:</a:t>
+            </a:r>
+          </a:p>
+          <a:p>
+            <a:pPr marL="742950" lvl="1" indent="-285750" eaLnBrk="0" fontAlgn="base" hangingPunct="0">
+              <a:spcBef>
+                <a:spcPct val="0"/>
+              </a:spcBef>
+              <a:spcAft>
+                <a:spcPct val="0"/>
+              </a:spcAft>
+              <a:buFont typeface="Arial" panose="020B0604020202020204" pitchFamily="34" charset="0"/>
+              <a:buChar char="•"/>
+            </a:pPr>
+            <a:r>
+              <a:rPr kumimoji="0" lang="en-US" altLang="en-US" b="0" i="0" u="none" strike="noStrike" cap="none" normalizeH="0" baseline="0" dirty="0">
+                <a:ln>
+                  <a:noFill/>
+                </a:ln>
+                <a:solidFill>
+                  <a:schemeClr val="tx1"/>
+                </a:solidFill>
+                <a:effectLst/>
+                <a:latin typeface="+mj-lt"/>
+              </a:rPr>
+              <a:t>Tree-based models are </a:t>
+            </a:r>
+            <a:r>
+              <a:rPr kumimoji="0" lang="en-US" altLang="en-US" b="1" i="0" u="none" strike="noStrike" cap="none" normalizeH="0" baseline="0" dirty="0">
+                <a:ln>
+                  <a:noFill/>
+                </a:ln>
+                <a:solidFill>
+                  <a:schemeClr val="tx1"/>
+                </a:solidFill>
+                <a:effectLst/>
+                <a:latin typeface="+mj-lt"/>
+              </a:rPr>
+              <a:t>faster to train</a:t>
+            </a:r>
+            <a:r>
+              <a:rPr kumimoji="0" lang="en-US" altLang="en-US" b="0" i="0" u="none" strike="noStrike" cap="none" normalizeH="0" baseline="0" dirty="0">
+                <a:ln>
+                  <a:noFill/>
+                </a:ln>
+                <a:solidFill>
+                  <a:schemeClr val="tx1"/>
+                </a:solidFill>
+                <a:effectLst/>
+                <a:latin typeface="+mj-lt"/>
+              </a:rPr>
+              <a:t> and less computationally intensive.</a:t>
+            </a:r>
+          </a:p>
+          <a:p>
+            <a:pPr marL="742950" lvl="1" indent="-285750" eaLnBrk="0" fontAlgn="base" hangingPunct="0">
+              <a:spcBef>
+                <a:spcPct val="0"/>
+              </a:spcBef>
+              <a:spcAft>
+                <a:spcPct val="0"/>
+              </a:spcAft>
+              <a:buFont typeface="Arial" panose="020B0604020202020204" pitchFamily="34" charset="0"/>
+              <a:buChar char="•"/>
+            </a:pPr>
+            <a:endParaRPr kumimoji="0" lang="en-US" altLang="en-US" b="0" i="0" u="none" strike="noStrike" cap="none" normalizeH="0" baseline="0" dirty="0">
+              <a:ln>
+                <a:noFill/>
+              </a:ln>
+              <a:solidFill>
+                <a:schemeClr val="tx1"/>
+              </a:solidFill>
+              <a:effectLst/>
+              <a:latin typeface="+mj-lt"/>
+            </a:endParaRPr>
+          </a:p>
+          <a:p>
+            <a:pPr marL="285750" marR="0" lvl="0" indent="-285750" algn="l" defTabSz="914400" rtl="0" eaLnBrk="0" fontAlgn="base" latinLnBrk="0" hangingPunct="0">
+              <a:lnSpc>
+                <a:spcPct val="100000"/>
+              </a:lnSpc>
+              <a:spcBef>
+                <a:spcPct val="0"/>
+              </a:spcBef>
+              <a:spcAft>
+                <a:spcPct val="0"/>
+              </a:spcAft>
+              <a:buClrTx/>
+              <a:buSzTx/>
+              <a:buFont typeface="Arial" panose="020B0604020202020204" pitchFamily="34" charset="0"/>
+              <a:buChar char="•"/>
+              <a:tabLst/>
+            </a:pPr>
+            <a:r>
+              <a:rPr kumimoji="0" lang="en-US" altLang="en-US" sz="1800" b="1" i="0" u="none" strike="noStrike" cap="none" normalizeH="0" baseline="0" dirty="0">
+                <a:ln>
+                  <a:noFill/>
+                </a:ln>
+                <a:solidFill>
+                  <a:schemeClr val="tx1"/>
+                </a:solidFill>
+                <a:effectLst/>
+                <a:latin typeface="+mj-lt"/>
+              </a:rPr>
+              <a:t>Feature Representation</a:t>
+            </a:r>
+            <a:r>
+              <a:rPr kumimoji="0" lang="en-US" altLang="en-US" sz="1800" b="0" i="0" u="none" strike="noStrike" cap="none" normalizeH="0" baseline="0" dirty="0">
+                <a:ln>
+                  <a:noFill/>
+                </a:ln>
+                <a:solidFill>
+                  <a:schemeClr val="tx1"/>
+                </a:solidFill>
+                <a:effectLst/>
+                <a:latin typeface="+mj-lt"/>
+              </a:rPr>
+              <a:t>:</a:t>
+            </a:r>
+          </a:p>
+          <a:p>
+            <a:pPr marL="742950" lvl="1" indent="-285750" eaLnBrk="0" fontAlgn="base" hangingPunct="0">
+              <a:spcBef>
+                <a:spcPct val="0"/>
+              </a:spcBef>
+              <a:spcAft>
+                <a:spcPct val="0"/>
+              </a:spcAft>
+              <a:buFont typeface="Arial" panose="020B0604020202020204" pitchFamily="34" charset="0"/>
+              <a:buChar char="•"/>
+            </a:pPr>
+            <a:r>
+              <a:rPr kumimoji="0" lang="en-US" altLang="en-US" b="0" i="0" u="none" strike="noStrike" cap="none" normalizeH="0" baseline="0" dirty="0">
+                <a:ln>
+                  <a:noFill/>
+                </a:ln>
+                <a:solidFill>
+                  <a:schemeClr val="tx1"/>
+                </a:solidFill>
+                <a:effectLst/>
+                <a:latin typeface="+mj-lt"/>
+              </a:rPr>
+              <a:t>TF-IDF features work well with tree-based models, while embeddings (BERT/LSTM) are harder to optimize.</a:t>
+            </a:r>
+          </a:p>
+          <a:p>
+            <a:pPr marL="742950" lvl="1" indent="-285750" eaLnBrk="0" fontAlgn="base" hangingPunct="0">
+              <a:spcBef>
+                <a:spcPct val="0"/>
+              </a:spcBef>
+              <a:spcAft>
+                <a:spcPct val="0"/>
+              </a:spcAft>
+              <a:buFont typeface="Arial" panose="020B0604020202020204" pitchFamily="34" charset="0"/>
+              <a:buChar char="•"/>
+            </a:pPr>
+            <a:endParaRPr kumimoji="0" lang="en-US" altLang="en-US" b="0" i="0" u="none" strike="noStrike" cap="none" normalizeH="0" baseline="0" dirty="0">
+              <a:ln>
+                <a:noFill/>
+              </a:ln>
+              <a:solidFill>
+                <a:schemeClr val="tx1"/>
+              </a:solidFill>
+              <a:effectLst/>
+              <a:latin typeface="+mj-lt"/>
+            </a:endParaRPr>
+          </a:p>
+          <a:p>
+            <a:pPr marL="285750" marR="0" lvl="0" indent="-285750" algn="l" defTabSz="914400" rtl="0" eaLnBrk="0" fontAlgn="base" latinLnBrk="0" hangingPunct="0">
+              <a:lnSpc>
+                <a:spcPct val="100000"/>
+              </a:lnSpc>
+              <a:spcBef>
+                <a:spcPct val="0"/>
+              </a:spcBef>
+              <a:spcAft>
+                <a:spcPct val="0"/>
+              </a:spcAft>
+              <a:buClrTx/>
+              <a:buSzTx/>
+              <a:buFont typeface="Arial" panose="020B0604020202020204" pitchFamily="34" charset="0"/>
+              <a:buChar char="•"/>
+              <a:tabLst/>
+            </a:pPr>
+            <a:r>
+              <a:rPr kumimoji="0" lang="en-US" altLang="en-US" sz="1800" b="1" i="0" u="none" strike="noStrike" cap="none" normalizeH="0" baseline="0" dirty="0">
+                <a:ln>
+                  <a:noFill/>
+                </a:ln>
+                <a:solidFill>
+                  <a:schemeClr val="tx1"/>
+                </a:solidFill>
+                <a:effectLst/>
+                <a:latin typeface="+mj-lt"/>
+              </a:rPr>
+              <a:t>Interpretability</a:t>
+            </a:r>
+            <a:r>
+              <a:rPr kumimoji="0" lang="en-US" altLang="en-US" sz="1800" b="0" i="0" u="none" strike="noStrike" cap="none" normalizeH="0" baseline="0" dirty="0">
+                <a:ln>
+                  <a:noFill/>
+                </a:ln>
+                <a:solidFill>
+                  <a:schemeClr val="tx1"/>
+                </a:solidFill>
+                <a:effectLst/>
+                <a:latin typeface="+mj-lt"/>
+              </a:rPr>
+              <a:t>:</a:t>
+            </a:r>
+          </a:p>
+          <a:p>
+            <a:pPr marL="742950" lvl="1" indent="-285750" eaLnBrk="0" fontAlgn="base" hangingPunct="0">
+              <a:spcBef>
+                <a:spcPct val="0"/>
+              </a:spcBef>
+              <a:spcAft>
+                <a:spcPct val="0"/>
+              </a:spcAft>
+              <a:buFont typeface="Arial" panose="020B0604020202020204" pitchFamily="34" charset="0"/>
+              <a:buChar char="•"/>
+            </a:pPr>
+            <a:r>
+              <a:rPr kumimoji="0" lang="en-US" altLang="en-US" b="0" i="0" u="none" strike="noStrike" cap="none" normalizeH="0" baseline="0" dirty="0">
+                <a:ln>
+                  <a:noFill/>
+                </a:ln>
+                <a:solidFill>
+                  <a:schemeClr val="tx1"/>
+                </a:solidFill>
+                <a:effectLst/>
+                <a:latin typeface="+mj-lt"/>
+              </a:rPr>
+              <a:t>Tree-based models provide clear </a:t>
+            </a:r>
+            <a:r>
+              <a:rPr kumimoji="0" lang="en-US" altLang="en-US" b="1" i="0" u="none" strike="noStrike" cap="none" normalizeH="0" baseline="0" dirty="0">
+                <a:ln>
+                  <a:noFill/>
+                </a:ln>
+                <a:solidFill>
+                  <a:schemeClr val="tx1"/>
+                </a:solidFill>
+                <a:effectLst/>
+                <a:latin typeface="+mj-lt"/>
+              </a:rPr>
+              <a:t>feature importance</a:t>
+            </a:r>
+            <a:r>
+              <a:rPr kumimoji="0" lang="en-US" altLang="en-US" b="0" i="0" u="none" strike="noStrike" cap="none" normalizeH="0" baseline="0" dirty="0">
+                <a:ln>
+                  <a:noFill/>
+                </a:ln>
+                <a:solidFill>
+                  <a:schemeClr val="tx1"/>
+                </a:solidFill>
+                <a:effectLst/>
+                <a:latin typeface="+mj-lt"/>
+              </a:rPr>
+              <a:t> insights.</a:t>
+            </a:r>
+          </a:p>
+          <a:p>
+            <a:pPr marL="285750" marR="0" lvl="0" indent="-285750" algn="l" defTabSz="914400" rtl="0" eaLnBrk="0" fontAlgn="base" latinLnBrk="0" hangingPunct="0">
+              <a:lnSpc>
+                <a:spcPct val="100000"/>
+              </a:lnSpc>
+              <a:spcBef>
+                <a:spcPct val="0"/>
+              </a:spcBef>
+              <a:spcAft>
+                <a:spcPct val="0"/>
+              </a:spcAft>
+              <a:buClrTx/>
+              <a:buSzTx/>
+              <a:buFont typeface="Arial" panose="020B0604020202020204" pitchFamily="34" charset="0"/>
+              <a:buChar char="•"/>
+              <a:tabLst/>
+            </a:pPr>
+            <a:endParaRPr kumimoji="0" lang="en-US" altLang="en-US" sz="1800" b="0" i="0" u="none" strike="noStrike" cap="none" normalizeH="0" baseline="0" dirty="0">
+              <a:ln>
+                <a:noFill/>
+              </a:ln>
+              <a:solidFill>
+                <a:schemeClr val="tx1"/>
+              </a:solidFill>
+              <a:effectLst/>
+              <a:latin typeface="+mj-lt"/>
+            </a:endParaRPr>
+          </a:p>
+        </p:txBody>
+      </p:sp>
+    </p:spTree>
+    <p:extLst>
+      <p:ext uri="{BB962C8B-B14F-4D97-AF65-F5344CB8AC3E}">
+        <p14:creationId xmlns:p14="http://schemas.microsoft.com/office/powerpoint/2010/main" val="921499818"/>
+      </p:ext>
+    </p:extLst>
+  </p:cSld>
+  <p:clrMapOvr>
+    <a:masterClrMapping/>
+  </p:clrMapOvr>
+</p:sld>
+</file>
+
+<file path=ppt/slides/slide17.xml><?xml version="1.0" encoding="utf-8"?>
+<p:sld xmlns:a="http://schemas.openxmlformats.org/drawingml/2006/main" xmlns:r="http://schemas.openxmlformats.org/officeDocument/2006/relationships" xmlns:p="http://schemas.openxmlformats.org/presentationml/2006/main">
+  <p:cSld>
+    <p:spTree>
+      <p:nvGrpSpPr>
+        <p:cNvPr id="1" name="">
+          <a:extLst>
+            <a:ext uri="{FF2B5EF4-FFF2-40B4-BE49-F238E27FC236}">
               <a16:creationId xmlns:a16="http://schemas.microsoft.com/office/drawing/2014/main" id="{DA00779A-5399-434A-F1B8-76608B7627A1}"/>
             </a:ext>
           </a:extLst>
@@ -28405,7 +29203,7 @@
 </p:sld>
 </file>
 
-<file path=ppt/slides/slide17.xml><?xml version="1.0" encoding="utf-8"?>
+<file path=ppt/slides/slide18.xml><?xml version="1.0" encoding="utf-8"?>
 <p:sld xmlns:a="http://schemas.openxmlformats.org/drawingml/2006/main" xmlns:r="http://schemas.openxmlformats.org/officeDocument/2006/relationships" xmlns:p="http://schemas.openxmlformats.org/presentationml/2006/main">
   <p:cSld>
     <p:spTree>
@@ -28677,7 +29475,7 @@
 </p:sld>
 </file>
 
-<file path=ppt/slides/slide18.xml><?xml version="1.0" encoding="utf-8"?>
+<file path=ppt/slides/slide19.xml><?xml version="1.0" encoding="utf-8"?>
 <p:sld xmlns:a="http://schemas.openxmlformats.org/drawingml/2006/main" xmlns:r="http://schemas.openxmlformats.org/officeDocument/2006/relationships" xmlns:p="http://schemas.openxmlformats.org/presentationml/2006/main">
   <p:cSld>
     <p:spTree>
@@ -28770,7 +29568,180 @@
 </p:sld>
 </file>
 
-<file path=ppt/slides/slide19.xml><?xml version="1.0" encoding="utf-8"?>
+<file path=ppt/slides/slide2.xml><?xml version="1.0" encoding="utf-8"?>
+<p:sld xmlns:a="http://schemas.openxmlformats.org/drawingml/2006/main" xmlns:r="http://schemas.openxmlformats.org/officeDocument/2006/relationships" xmlns:p="http://schemas.openxmlformats.org/presentationml/2006/main">
+  <p:cSld>
+    <p:spTree>
+      <p:nvGrpSpPr>
+        <p:cNvPr id="1" name=""/>
+        <p:cNvGrpSpPr/>
+        <p:nvPr/>
+      </p:nvGrpSpPr>
+      <p:grpSpPr>
+        <a:xfrm>
+          <a:off x="0" y="0"/>
+          <a:ext cx="0" cy="0"/>
+          <a:chOff x="0" y="0"/>
+          <a:chExt cx="0" cy="0"/>
+        </a:xfrm>
+      </p:grpSpPr>
+      <p:sp>
+        <p:nvSpPr>
+          <p:cNvPr id="27" name="Title 26">
+            <a:extLst>
+              <a:ext uri="{FF2B5EF4-FFF2-40B4-BE49-F238E27FC236}">
+                <a16:creationId xmlns:a16="http://schemas.microsoft.com/office/drawing/2014/main" id="{6D7733A8-17FB-66BD-9A1B-C0C33D2F92B0}"/>
+              </a:ext>
+            </a:extLst>
+          </p:cNvPr>
+          <p:cNvSpPr>
+            <a:spLocks noGrp="1"/>
+          </p:cNvSpPr>
+          <p:nvPr>
+            <p:ph type="title"/>
+          </p:nvPr>
+        </p:nvSpPr>
+        <p:spPr/>
+        <p:txBody>
+          <a:bodyPr/>
+          <a:lstStyle/>
+          <a:p>
+            <a:r>
+              <a:rPr lang="en-US" sz="4000" dirty="0"/>
+              <a:t>Outline</a:t>
+            </a:r>
+            <a:endParaRPr lang="en-US" sz="2000" b="0" dirty="0"/>
+          </a:p>
+        </p:txBody>
+      </p:sp>
+      <p:sp>
+        <p:nvSpPr>
+          <p:cNvPr id="4" name="Text Placeholder 3">
+            <a:extLst>
+              <a:ext uri="{FF2B5EF4-FFF2-40B4-BE49-F238E27FC236}">
+                <a16:creationId xmlns:a16="http://schemas.microsoft.com/office/drawing/2014/main" id="{34B929EA-085D-03CC-8ABC-3FFBF3231F85}"/>
+              </a:ext>
+            </a:extLst>
+          </p:cNvPr>
+          <p:cNvSpPr>
+            <a:spLocks noGrp="1"/>
+          </p:cNvSpPr>
+          <p:nvPr>
+            <p:ph type="body" sz="quarter" idx="11"/>
+          </p:nvPr>
+        </p:nvSpPr>
+        <p:spPr>
+          <a:xfrm>
+            <a:off x="539839" y="1441420"/>
+            <a:ext cx="11087100" cy="4533900"/>
+          </a:xfrm>
+        </p:spPr>
+        <p:txBody>
+          <a:bodyPr vert="horz" lIns="0" tIns="0" rIns="0" bIns="0" numCol="1" spcCol="457200" rtlCol="0" anchor="t">
+            <a:noAutofit/>
+          </a:bodyPr>
+          <a:lstStyle/>
+          <a:p>
+            <a:pPr marL="342900" indent="-342900">
+              <a:buFont typeface="Arial" panose="020B0604020202020204" pitchFamily="34" charset="0"/>
+              <a:buChar char="•"/>
+            </a:pPr>
+            <a:endParaRPr lang="en-CA" dirty="0"/>
+          </a:p>
+          <a:p>
+            <a:pPr marL="342900" indent="-342900">
+              <a:buFont typeface="Arial" panose="020B0604020202020204" pitchFamily="34" charset="0"/>
+              <a:buChar char="•"/>
+            </a:pPr>
+            <a:r>
+              <a:rPr lang="en-US" sz="2400" kern="1200" dirty="0">
+                <a:solidFill>
+                  <a:schemeClr val="tx1"/>
+                </a:solidFill>
+                <a:latin typeface="+mj-lt"/>
+                <a:ea typeface="+mj-ea"/>
+                <a:cs typeface="+mj-cs"/>
+              </a:rPr>
+              <a:t>Project Overview </a:t>
+            </a:r>
+          </a:p>
+          <a:p>
+            <a:pPr marL="342900" indent="-342900">
+              <a:buFont typeface="Arial" panose="020B0604020202020204" pitchFamily="34" charset="0"/>
+              <a:buChar char="•"/>
+            </a:pPr>
+            <a:r>
+              <a:rPr lang="en-US" sz="2400" dirty="0"/>
+              <a:t>Challenges and Complexities </a:t>
+            </a:r>
+          </a:p>
+          <a:p>
+            <a:pPr marL="342900" indent="-342900">
+              <a:buFont typeface="Arial" panose="020B0604020202020204" pitchFamily="34" charset="0"/>
+              <a:buChar char="•"/>
+            </a:pPr>
+            <a:r>
+              <a:rPr lang="en-CA" dirty="0"/>
+              <a:t>Process Flow</a:t>
+            </a:r>
+          </a:p>
+          <a:p>
+            <a:pPr marL="342900" indent="-342900">
+              <a:buFont typeface="Arial" panose="020B0604020202020204" pitchFamily="34" charset="0"/>
+              <a:buChar char="•"/>
+            </a:pPr>
+            <a:r>
+              <a:rPr lang="en-CA" dirty="0"/>
+              <a:t>Exploratory Data Analysis (EDA)</a:t>
+            </a:r>
+          </a:p>
+          <a:p>
+            <a:pPr marL="342900" indent="-342900">
+              <a:buFont typeface="Arial" panose="020B0604020202020204" pitchFamily="34" charset="0"/>
+              <a:buChar char="•"/>
+            </a:pPr>
+            <a:r>
+              <a:rPr lang="en-CA" dirty="0"/>
+              <a:t>Methods and Models</a:t>
+            </a:r>
+          </a:p>
+          <a:p>
+            <a:pPr marL="342900" indent="-342900">
+              <a:buFont typeface="Arial" panose="020B0604020202020204" pitchFamily="34" charset="0"/>
+              <a:buChar char="•"/>
+            </a:pPr>
+            <a:r>
+              <a:rPr lang="en-CA" dirty="0"/>
+              <a:t>Next steps</a:t>
+            </a:r>
+            <a:r>
+              <a:rPr lang="en-US" dirty="0"/>
+              <a:t> </a:t>
+            </a:r>
+          </a:p>
+          <a:p>
+            <a:pPr marL="342900" indent="-342900">
+              <a:buFont typeface="Arial" panose="020B0604020202020204" pitchFamily="34" charset="0"/>
+              <a:buChar char="•"/>
+            </a:pPr>
+            <a:endParaRPr lang="en-US" dirty="0"/>
+          </a:p>
+        </p:txBody>
+      </p:sp>
+    </p:spTree>
+    <p:extLst>
+      <p:ext uri="{BB962C8B-B14F-4D97-AF65-F5344CB8AC3E}">
+        <p14:creationId xmlns:p14="http://schemas.microsoft.com/office/powerpoint/2010/main" val="679120252"/>
+      </p:ext>
+    </p:extLst>
+  </p:cSld>
+  <p:clrMapOvr>
+    <a:masterClrMapping/>
+  </p:clrMapOvr>
+</p:sld>
+</file>
+
+<file path=ppt/slides/slide20.xml><?xml version="1.0" encoding="utf-8"?>
 <p:sld xmlns:a="http://schemas.openxmlformats.org/drawingml/2006/main" xmlns:r="http://schemas.openxmlformats.org/officeDocument/2006/relationships" xmlns:p="http://schemas.openxmlformats.org/presentationml/2006/main">
   <p:cSld>
     <p:spTree>
@@ -30896,179 +31867,6 @@
     <p:extLst>
       <p:ext uri="{BB962C8B-B14F-4D97-AF65-F5344CB8AC3E}">
         <p14:creationId xmlns:p14="http://schemas.microsoft.com/office/powerpoint/2010/main" val="3836438271"/>
-      </p:ext>
-    </p:extLst>
-  </p:cSld>
-  <p:clrMapOvr>
-    <a:masterClrMapping/>
-  </p:clrMapOvr>
-</p:sld>
-</file>
-
-<file path=ppt/slides/slide2.xml><?xml version="1.0" encoding="utf-8"?>
-<p:sld xmlns:a="http://schemas.openxmlformats.org/drawingml/2006/main" xmlns:r="http://schemas.openxmlformats.org/officeDocument/2006/relationships" xmlns:p="http://schemas.openxmlformats.org/presentationml/2006/main">
-  <p:cSld>
-    <p:spTree>
-      <p:nvGrpSpPr>
-        <p:cNvPr id="1" name=""/>
-        <p:cNvGrpSpPr/>
-        <p:nvPr/>
-      </p:nvGrpSpPr>
-      <p:grpSpPr>
-        <a:xfrm>
-          <a:off x="0" y="0"/>
-          <a:ext cx="0" cy="0"/>
-          <a:chOff x="0" y="0"/>
-          <a:chExt cx="0" cy="0"/>
-        </a:xfrm>
-      </p:grpSpPr>
-      <p:sp>
-        <p:nvSpPr>
-          <p:cNvPr id="27" name="Title 26">
-            <a:extLst>
-              <a:ext uri="{FF2B5EF4-FFF2-40B4-BE49-F238E27FC236}">
-                <a16:creationId xmlns:a16="http://schemas.microsoft.com/office/drawing/2014/main" id="{6D7733A8-17FB-66BD-9A1B-C0C33D2F92B0}"/>
-              </a:ext>
-            </a:extLst>
-          </p:cNvPr>
-          <p:cNvSpPr>
-            <a:spLocks noGrp="1"/>
-          </p:cNvSpPr>
-          <p:nvPr>
-            <p:ph type="title"/>
-          </p:nvPr>
-        </p:nvSpPr>
-        <p:spPr/>
-        <p:txBody>
-          <a:bodyPr/>
-          <a:lstStyle/>
-          <a:p>
-            <a:r>
-              <a:rPr lang="en-US" sz="4000" dirty="0"/>
-              <a:t>Outline</a:t>
-            </a:r>
-            <a:endParaRPr lang="en-US" sz="2000" b="0" dirty="0"/>
-          </a:p>
-        </p:txBody>
-      </p:sp>
-      <p:sp>
-        <p:nvSpPr>
-          <p:cNvPr id="4" name="Text Placeholder 3">
-            <a:extLst>
-              <a:ext uri="{FF2B5EF4-FFF2-40B4-BE49-F238E27FC236}">
-                <a16:creationId xmlns:a16="http://schemas.microsoft.com/office/drawing/2014/main" id="{34B929EA-085D-03CC-8ABC-3FFBF3231F85}"/>
-              </a:ext>
-            </a:extLst>
-          </p:cNvPr>
-          <p:cNvSpPr>
-            <a:spLocks noGrp="1"/>
-          </p:cNvSpPr>
-          <p:nvPr>
-            <p:ph type="body" sz="quarter" idx="11"/>
-          </p:nvPr>
-        </p:nvSpPr>
-        <p:spPr>
-          <a:xfrm>
-            <a:off x="539839" y="1441420"/>
-            <a:ext cx="11087100" cy="4533900"/>
-          </a:xfrm>
-        </p:spPr>
-        <p:txBody>
-          <a:bodyPr vert="horz" lIns="0" tIns="0" rIns="0" bIns="0" numCol="1" spcCol="457200" rtlCol="0" anchor="t">
-            <a:noAutofit/>
-          </a:bodyPr>
-          <a:lstStyle/>
-          <a:p>
-            <a:pPr marL="342900" indent="-342900">
-              <a:buFont typeface="Arial" panose="020B0604020202020204" pitchFamily="34" charset="0"/>
-              <a:buChar char="•"/>
-            </a:pPr>
-            <a:endParaRPr lang="en-CA" dirty="0"/>
-          </a:p>
-          <a:p>
-            <a:pPr marL="342900" indent="-342900">
-              <a:buFont typeface="Arial" panose="020B0604020202020204" pitchFamily="34" charset="0"/>
-              <a:buChar char="•"/>
-            </a:pPr>
-            <a:r>
-              <a:rPr lang="en-US" sz="2400" kern="1200" dirty="0">
-                <a:solidFill>
-                  <a:schemeClr val="tx1"/>
-                </a:solidFill>
-                <a:latin typeface="+mj-lt"/>
-                <a:ea typeface="+mj-ea"/>
-                <a:cs typeface="+mj-cs"/>
-              </a:rPr>
-              <a:t>Project Overview </a:t>
-            </a:r>
-          </a:p>
-          <a:p>
-            <a:pPr marL="342900" indent="-342900">
-              <a:buFont typeface="Arial" panose="020B0604020202020204" pitchFamily="34" charset="0"/>
-              <a:buChar char="•"/>
-            </a:pPr>
-            <a:r>
-              <a:rPr lang="en-US" sz="2400" dirty="0"/>
-              <a:t>Challenges and Complexities </a:t>
-            </a:r>
-          </a:p>
-          <a:p>
-            <a:pPr marL="342900" indent="-342900">
-              <a:buFont typeface="Arial" panose="020B0604020202020204" pitchFamily="34" charset="0"/>
-              <a:buChar char="•"/>
-            </a:pPr>
-            <a:r>
-              <a:rPr lang="en-CA" dirty="0"/>
-              <a:t>Process Flow</a:t>
-            </a:r>
-          </a:p>
-          <a:p>
-            <a:pPr marL="342900" indent="-342900">
-              <a:buFont typeface="Arial" panose="020B0604020202020204" pitchFamily="34" charset="0"/>
-              <a:buChar char="•"/>
-            </a:pPr>
-            <a:r>
-              <a:rPr lang="en-CA" dirty="0"/>
-              <a:t>Exploratory Data Analysis (EDA)</a:t>
-            </a:r>
-          </a:p>
-          <a:p>
-            <a:pPr marL="342900" indent="-342900">
-              <a:buFont typeface="Arial" panose="020B0604020202020204" pitchFamily="34" charset="0"/>
-              <a:buChar char="•"/>
-            </a:pPr>
-            <a:r>
-              <a:rPr lang="en-CA" dirty="0"/>
-              <a:t>Methods and Models</a:t>
-            </a:r>
-          </a:p>
-          <a:p>
-            <a:pPr marL="342900" indent="-342900">
-              <a:buFont typeface="Arial" panose="020B0604020202020204" pitchFamily="34" charset="0"/>
-              <a:buChar char="•"/>
-            </a:pPr>
-            <a:r>
-              <a:rPr lang="en-CA" dirty="0"/>
-              <a:t>Next steps</a:t>
-            </a:r>
-            <a:r>
-              <a:rPr lang="en-US" dirty="0"/>
-              <a:t> </a:t>
-            </a:r>
-          </a:p>
-          <a:p>
-            <a:pPr marL="342900" indent="-342900">
-              <a:buFont typeface="Arial" panose="020B0604020202020204" pitchFamily="34" charset="0"/>
-              <a:buChar char="•"/>
-            </a:pPr>
-            <a:endParaRPr lang="en-US" dirty="0"/>
-          </a:p>
-        </p:txBody>
-      </p:sp>
-    </p:spTree>
-    <p:extLst>
-      <p:ext uri="{BB962C8B-B14F-4D97-AF65-F5344CB8AC3E}">
-        <p14:creationId xmlns:p14="http://schemas.microsoft.com/office/powerpoint/2010/main" val="679120252"/>
       </p:ext>
     </p:extLst>
   </p:cSld>
@@ -37563,34 +38361,6 @@
 </file>
 
 <file path=customXml/item2.xml><?xml version="1.0" encoding="utf-8"?>
-<p:properties xmlns:p="http://schemas.microsoft.com/office/2006/metadata/properties" xmlns:xsi="http://www.w3.org/2001/XMLSchema-instance" xmlns:pc="http://schemas.microsoft.com/office/infopath/2007/PartnerControls">
-  <documentManagement>
-    <lcf76f155ced4ddcb4097134ff3c332f xmlns="fa0bf7e1-eba7-4210-9ce0-be1c0c3f267a">
-      <Terms xmlns="http://schemas.microsoft.com/office/infopath/2007/PartnerControls"/>
-    </lcf76f155ced4ddcb4097134ff3c332f>
-    <TaxCatchAll xmlns="7dd3a303-ae9e-4cf2-b029-f8ba94c0a20f" xsi:nil="true"/>
-    <SharedWithUsers xmlns="7dd3a303-ae9e-4cf2-b029-f8ba94c0a20f">
-      <UserInfo>
-        <DisplayName>Wang, Jonathan</DisplayName>
-        <AccountId>43</AccountId>
-        <AccountType/>
-      </UserInfo>
-      <UserInfo>
-        <DisplayName>Sivanandan, Thushara</DisplayName>
-        <AccountId>189</AccountId>
-        <AccountType/>
-      </UserInfo>
-      <UserInfo>
-        <DisplayName>Ahmed, Tamer</DisplayName>
-        <AccountId>172</AccountId>
-        <AccountType/>
-      </UserInfo>
-    </SharedWithUsers>
-  </documentManagement>
-</p:properties>
-</file>
-
-<file path=customXml/item3.xml><?xml version="1.0" encoding="utf-8"?>
 <ct:contentTypeSchema xmlns:ct="http://schemas.microsoft.com/office/2006/metadata/contentType" xmlns:ma="http://schemas.microsoft.com/office/2006/metadata/properties/metaAttributes" ct:_="" ma:_="" ma:contentTypeName="Document" ma:contentTypeID="0x0101007F508CA656847A4BB1F8F4DE6675827E" ma:contentTypeVersion="14" ma:contentTypeDescription="Create a new document." ma:contentTypeScope="" ma:versionID="804938525ea4ca5568b529bfee1be82a">
   <xsd:schema xmlns:xsd="http://www.w3.org/2001/XMLSchema" xmlns:xs="http://www.w3.org/2001/XMLSchema" xmlns:p="http://schemas.microsoft.com/office/2006/metadata/properties" xmlns:ns2="fa0bf7e1-eba7-4210-9ce0-be1c0c3f267a" xmlns:ns3="7dd3a303-ae9e-4cf2-b029-f8ba94c0a20f" targetNamespace="http://schemas.microsoft.com/office/2006/metadata/properties" ma:root="true" ma:fieldsID="da095fa0f4cfaaf3fb5eb1d397055802" ns2:_="" ns3:_="">
     <xsd:import namespace="fa0bf7e1-eba7-4210-9ce0-be1c0c3f267a"/>
@@ -37819,6 +38589,34 @@
 </ct:contentTypeSchema>
 </file>
 
+<file path=customXml/item3.xml><?xml version="1.0" encoding="utf-8"?>
+<p:properties xmlns:p="http://schemas.microsoft.com/office/2006/metadata/properties" xmlns:xsi="http://www.w3.org/2001/XMLSchema-instance" xmlns:pc="http://schemas.microsoft.com/office/infopath/2007/PartnerControls">
+  <documentManagement>
+    <lcf76f155ced4ddcb4097134ff3c332f xmlns="fa0bf7e1-eba7-4210-9ce0-be1c0c3f267a">
+      <Terms xmlns="http://schemas.microsoft.com/office/infopath/2007/PartnerControls"/>
+    </lcf76f155ced4ddcb4097134ff3c332f>
+    <TaxCatchAll xmlns="7dd3a303-ae9e-4cf2-b029-f8ba94c0a20f" xsi:nil="true"/>
+    <SharedWithUsers xmlns="7dd3a303-ae9e-4cf2-b029-f8ba94c0a20f">
+      <UserInfo>
+        <DisplayName>Wang, Jonathan</DisplayName>
+        <AccountId>43</AccountId>
+        <AccountType/>
+      </UserInfo>
+      <UserInfo>
+        <DisplayName>Sivanandan, Thushara</DisplayName>
+        <AccountId>189</AccountId>
+        <AccountType/>
+      </UserInfo>
+      <UserInfo>
+        <DisplayName>Ahmed, Tamer</DisplayName>
+        <AccountId>172</AccountId>
+        <AccountType/>
+      </UserInfo>
+    </SharedWithUsers>
+  </documentManagement>
+</p:properties>
+</file>
+
 <file path=customXml/itemProps1.xml><?xml version="1.0" encoding="utf-8"?>
 <ds:datastoreItem xmlns:ds="http://schemas.openxmlformats.org/officeDocument/2006/customXml" ds:itemID="{AF059940-E9C9-4B58-8C4F-72D8A7298279}">
   <ds:schemaRefs>
@@ -37828,23 +38626,6 @@
 </file>
 
 <file path=customXml/itemProps2.xml><?xml version="1.0" encoding="utf-8"?>
-<ds:datastoreItem xmlns:ds="http://schemas.openxmlformats.org/officeDocument/2006/customXml" ds:itemID="{28A48290-E7D2-439B-8EE8-1EB8E7022D73}">
-  <ds:schemaRefs>
-    <ds:schemaRef ds:uri="http://purl.org/dc/terms/"/>
-    <ds:schemaRef ds:uri="fa0bf7e1-eba7-4210-9ce0-be1c0c3f267a"/>
-    <ds:schemaRef ds:uri="http://schemas.microsoft.com/office/2006/documentManagement/types"/>
-    <ds:schemaRef ds:uri="http://purl.org/dc/elements/1.1/"/>
-    <ds:schemaRef ds:uri="http://schemas.microsoft.com/office/2006/metadata/properties"/>
-    <ds:schemaRef ds:uri="http://schemas.openxmlformats.org/package/2006/metadata/core-properties"/>
-    <ds:schemaRef ds:uri="http://schemas.microsoft.com/office/infopath/2007/PartnerControls"/>
-    <ds:schemaRef ds:uri="7dd3a303-ae9e-4cf2-b029-f8ba94c0a20f"/>
-    <ds:schemaRef ds:uri="http://www.w3.org/XML/1998/namespace"/>
-    <ds:schemaRef ds:uri="http://purl.org/dc/dcmitype/"/>
-  </ds:schemaRefs>
-</ds:datastoreItem>
-</file>
-
-<file path=customXml/itemProps3.xml><?xml version="1.0" encoding="utf-8"?>
 <ds:datastoreItem xmlns:ds="http://schemas.openxmlformats.org/officeDocument/2006/customXml" ds:itemID="{0D486622-F8C3-4ED6-BF19-0C4FAB9C6997}">
   <ds:schemaRefs>
     <ds:schemaRef ds:uri="7dd3a303-ae9e-4cf2-b029-f8ba94c0a20f"/>
@@ -37863,6 +38644,23 @@
 </ds:datastoreItem>
 </file>
 
+<file path=customXml/itemProps3.xml><?xml version="1.0" encoding="utf-8"?>
+<ds:datastoreItem xmlns:ds="http://schemas.openxmlformats.org/officeDocument/2006/customXml" ds:itemID="{28A48290-E7D2-439B-8EE8-1EB8E7022D73}">
+  <ds:schemaRefs>
+    <ds:schemaRef ds:uri="http://purl.org/dc/terms/"/>
+    <ds:schemaRef ds:uri="fa0bf7e1-eba7-4210-9ce0-be1c0c3f267a"/>
+    <ds:schemaRef ds:uri="http://schemas.microsoft.com/office/2006/documentManagement/types"/>
+    <ds:schemaRef ds:uri="http://purl.org/dc/elements/1.1/"/>
+    <ds:schemaRef ds:uri="http://schemas.microsoft.com/office/2006/metadata/properties"/>
+    <ds:schemaRef ds:uri="http://schemas.openxmlformats.org/package/2006/metadata/core-properties"/>
+    <ds:schemaRef ds:uri="http://schemas.microsoft.com/office/infopath/2007/PartnerControls"/>
+    <ds:schemaRef ds:uri="7dd3a303-ae9e-4cf2-b029-f8ba94c0a20f"/>
+    <ds:schemaRef ds:uri="http://www.w3.org/XML/1998/namespace"/>
+    <ds:schemaRef ds:uri="http://purl.org/dc/dcmitype/"/>
+  </ds:schemaRefs>
+</ds:datastoreItem>
+</file>
+
 <file path=docMetadata/LabelInfo.xml><?xml version="1.0" encoding="utf-8"?>
 <clbl:labelList xmlns:clbl="http://schemas.microsoft.com/office/2020/mipLabelMetadata">
   <clbl:label id="{4ef96c5c-d83f-466b-a478-816a5bb4af62}" enabled="0" method="" siteId="{4ef96c5c-d83f-466b-a478-816a5bb4af62}" removed="1"/>
